--- a/SHIKSHA EKIKARAN.pptx
+++ b/SHIKSHA EKIKARAN.pptx
@@ -415,7 +415,7 @@
           <a:p>
             <a:fld id="{DB9396D5-3DC8-45E6-A548-4CE9A68DB7C7}" type="datetimeFigureOut">
               <a:rPr lang="en-US" smtClean="0"/>
-              <a:t>24-Nov-22</a:t>
+              <a:t>01-Dec-22</a:t>
             </a:fld>
             <a:endParaRPr lang="en-US"/>
           </a:p>
@@ -708,7 +708,7 @@
           <a:p>
             <a:fld id="{DB9396D5-3DC8-45E6-A548-4CE9A68DB7C7}" type="datetimeFigureOut">
               <a:rPr lang="en-US" smtClean="0"/>
-              <a:t>24-Nov-22</a:t>
+              <a:t>01-Dec-22</a:t>
             </a:fld>
             <a:endParaRPr lang="en-US"/>
           </a:p>
@@ -890,7 +890,7 @@
           <a:p>
             <a:fld id="{DB9396D5-3DC8-45E6-A548-4CE9A68DB7C7}" type="datetimeFigureOut">
               <a:rPr lang="en-US" smtClean="0"/>
-              <a:t>24-Nov-22</a:t>
+              <a:t>01-Dec-22</a:t>
             </a:fld>
             <a:endParaRPr lang="en-US"/>
           </a:p>
@@ -1082,7 +1082,7 @@
           <a:p>
             <a:fld id="{DB9396D5-3DC8-45E6-A548-4CE9A68DB7C7}" type="datetimeFigureOut">
               <a:rPr lang="en-US" smtClean="0"/>
-              <a:t>24-Nov-22</a:t>
+              <a:t>01-Dec-22</a:t>
             </a:fld>
             <a:endParaRPr lang="en-US"/>
           </a:p>
@@ -1351,7 +1351,7 @@
           <a:p>
             <a:fld id="{DB9396D5-3DC8-45E6-A548-4CE9A68DB7C7}" type="datetimeFigureOut">
               <a:rPr lang="en-US" smtClean="0"/>
-              <a:t>24-Nov-22</a:t>
+              <a:t>01-Dec-22</a:t>
             </a:fld>
             <a:endParaRPr lang="en-US"/>
           </a:p>
@@ -2380,7 +2380,7 @@
           <a:p>
             <a:fld id="{DB9396D5-3DC8-45E6-A548-4CE9A68DB7C7}" type="datetimeFigureOut">
               <a:rPr lang="en-US" smtClean="0"/>
-              <a:t>24-Nov-22</a:t>
+              <a:t>01-Dec-22</a:t>
             </a:fld>
             <a:endParaRPr lang="en-US"/>
           </a:p>
@@ -2653,7 +2653,7 @@
           <a:p>
             <a:fld id="{DB9396D5-3DC8-45E6-A548-4CE9A68DB7C7}" type="datetimeFigureOut">
               <a:rPr lang="en-US" smtClean="0"/>
-              <a:t>24-Nov-22</a:t>
+              <a:t>01-Dec-22</a:t>
             </a:fld>
             <a:endParaRPr lang="en-US"/>
           </a:p>
@@ -3033,7 +3033,7 @@
           <a:p>
             <a:fld id="{DB9396D5-3DC8-45E6-A548-4CE9A68DB7C7}" type="datetimeFigureOut">
               <a:rPr lang="en-US" smtClean="0"/>
-              <a:t>24-Nov-22</a:t>
+              <a:t>01-Dec-22</a:t>
             </a:fld>
             <a:endParaRPr lang="en-US"/>
           </a:p>
@@ -3163,7 +3163,7 @@
           <a:p>
             <a:fld id="{DB9396D5-3DC8-45E6-A548-4CE9A68DB7C7}" type="datetimeFigureOut">
               <a:rPr lang="en-US" smtClean="0"/>
-              <a:t>24-Nov-22</a:t>
+              <a:t>01-Dec-22</a:t>
             </a:fld>
             <a:endParaRPr lang="en-US"/>
           </a:p>
@@ -3270,7 +3270,7 @@
           <a:p>
             <a:fld id="{DB9396D5-3DC8-45E6-A548-4CE9A68DB7C7}" type="datetimeFigureOut">
               <a:rPr lang="en-US" smtClean="0"/>
-              <a:t>24-Nov-22</a:t>
+              <a:t>01-Dec-22</a:t>
             </a:fld>
             <a:endParaRPr lang="en-US"/>
           </a:p>
@@ -3561,7 +3561,7 @@
           <a:p>
             <a:fld id="{DB9396D5-3DC8-45E6-A548-4CE9A68DB7C7}" type="datetimeFigureOut">
               <a:rPr lang="en-US" smtClean="0"/>
-              <a:t>24-Nov-22</a:t>
+              <a:t>01-Dec-22</a:t>
             </a:fld>
             <a:endParaRPr lang="en-US"/>
           </a:p>
@@ -3786,7 +3786,7 @@
           <a:p>
             <a:fld id="{DB9396D5-3DC8-45E6-A548-4CE9A68DB7C7}" type="datetimeFigureOut">
               <a:rPr lang="en-US" smtClean="0"/>
-              <a:t>24-Nov-22</a:t>
+              <a:t>01-Dec-22</a:t>
             </a:fld>
             <a:endParaRPr lang="en-US"/>
           </a:p>
@@ -4664,7 +4664,7 @@
           <a:p>
             <a:r>
               <a:rPr lang="en-US" sz="2650" dirty="0"/>
-              <a:t>They are expected to log in at the end of every academic year and upload their data(mostly in the form of </a:t>
+              <a:t>They are expected to log in at the end of every quarter of an academic year and upload their data(mostly in the form of </a:t>
             </a:r>
             <a:r>
               <a:rPr lang="en-US" sz="2650" dirty="0" err="1"/>
